--- a/Builder/HouseBuilder/BuilderPattern.pptx
+++ b/Builder/HouseBuilder/BuilderPattern.pptx
@@ -5,14 +5,18 @@
     <p:sldMasterId id="2147483672" r:id="rId1"/>
   </p:sldMasterIdLst>
   <p:notesMasterIdLst>
-    <p:notesMasterId r:id="rId7"/>
+    <p:notesMasterId r:id="rId11"/>
   </p:notesMasterIdLst>
   <p:sldIdLst>
     <p:sldId id="256" r:id="rId2"/>
     <p:sldId id="257" r:id="rId3"/>
-    <p:sldId id="258" r:id="rId4"/>
-    <p:sldId id="259" r:id="rId5"/>
-    <p:sldId id="260" r:id="rId6"/>
+    <p:sldId id="261" r:id="rId4"/>
+    <p:sldId id="262" r:id="rId5"/>
+    <p:sldId id="258" r:id="rId6"/>
+    <p:sldId id="259" r:id="rId7"/>
+    <p:sldId id="260" r:id="rId8"/>
+    <p:sldId id="263" r:id="rId9"/>
+    <p:sldId id="264" r:id="rId10"/>
   </p:sldIdLst>
   <p:sldSz cx="12192000" cy="6858000"/>
   <p:notesSz cx="6858000" cy="9144000"/>
@@ -541,7 +545,7 @@
           <a:p>
             <a:fld id="{F4885725-D209-48B6-95E6-0EA205128A2E}" type="slidenum">
               <a:rPr lang="en-US" smtClean="0"/>
-              <a:t>4</a:t>
+              <a:t>6</a:t>
             </a:fld>
             <a:endParaRPr lang="en-US"/>
           </a:p>
@@ -656,7 +660,7 @@
           <a:p>
             <a:fld id="{F4885725-D209-48B6-95E6-0EA205128A2E}" type="slidenum">
               <a:rPr lang="en-US" smtClean="0"/>
-              <a:t>5</a:t>
+              <a:t>7</a:t>
             </a:fld>
             <a:endParaRPr lang="en-US"/>
           </a:p>
@@ -8566,7 +8570,7 @@
         <p:spPr>
           <a:xfrm>
             <a:off x="2725005" y="4053089"/>
-            <a:ext cx="7243084" cy="1200329"/>
+            <a:ext cx="7243084" cy="923330"/>
           </a:xfrm>
           <a:prstGeom prst="rect">
             <a:avLst/>
@@ -8579,13 +8583,14 @@
           </a:bodyPr>
           <a:lstStyle/>
           <a:p>
+            <a:pPr algn="ctr"/>
             <a:r>
               <a:rPr lang="en-US" dirty="0" smtClean="0"/>
-              <a:t>The </a:t>
+              <a:t>Separates </a:t>
             </a:r>
             <a:r>
               <a:rPr lang="en-US" dirty="0"/>
-              <a:t>purpose of the builder patterns is to separate the construction of a complex objects from its representations so that the same construction process can create different representations.</a:t>
+              <a:t>the construction of a complex objects from its representations so that the same construction process can create different representations.</a:t>
             </a:r>
           </a:p>
         </p:txBody>
@@ -8636,10 +8641,10 @@
           <a:lstStyle/>
           <a:p>
             <a:r>
-              <a:rPr lang="en-GB" dirty="0" smtClean="0"/>
-              <a:t>UML Diagram</a:t>
-            </a:r>
-            <a:endParaRPr lang="en-US" dirty="0"/>
+              <a:rPr lang="en-US" dirty="0" smtClean="0"/>
+              <a:t>Components of the pattern</a:t>
+            </a:r>
+            <a:endParaRPr lang="en-GB" dirty="0"/>
           </a:p>
         </p:txBody>
       </p:sp>
@@ -8653,25 +8658,160 @@
             <p:ph idx="1"/>
           </p:nvPr>
         </p:nvSpPr>
-        <p:spPr/>
-        <p:txBody>
-          <a:bodyPr/>
+        <p:spPr>
+          <a:xfrm>
+            <a:off x="2240870" y="1799771"/>
+            <a:ext cx="3434217" cy="4107543"/>
+          </a:xfrm>
+        </p:spPr>
+        <p:txBody>
+          <a:bodyPr>
+            <a:normAutofit fontScale="85000" lnSpcReduction="10000"/>
+          </a:bodyPr>
           <a:lstStyle/>
           <a:p>
-            <a:endParaRPr lang="en-US"/>
-          </a:p>
-        </p:txBody>
-      </p:sp>
+            <a:r>
+              <a:rPr lang="en-US" dirty="0" smtClean="0"/>
+              <a:t>-</a:t>
+            </a:r>
+            <a:r>
+              <a:rPr lang="en-US" b="1" i="1" dirty="0"/>
+              <a:t>Builder </a:t>
+            </a:r>
+            <a:r>
+              <a:rPr lang="en-US" dirty="0"/>
+              <a:t>(e.g. </a:t>
+            </a:r>
+            <a:r>
+              <a:rPr lang="en-US" dirty="0" err="1"/>
+              <a:t>IHouseBuiler</a:t>
+            </a:r>
+            <a:r>
+              <a:rPr lang="en-US" dirty="0"/>
+              <a:t>) interface which is in charge of creating pars of a Product object</a:t>
+            </a:r>
+            <a:endParaRPr lang="en-GB" dirty="0"/>
+          </a:p>
+          <a:p>
+            <a:r>
+              <a:rPr lang="en-US" b="1" i="1" dirty="0"/>
+              <a:t>- </a:t>
+            </a:r>
+            <a:r>
+              <a:rPr lang="en-US" b="1" i="1" dirty="0" err="1"/>
+              <a:t>ConcreteBuiler</a:t>
+            </a:r>
+            <a:r>
+              <a:rPr lang="en-US" dirty="0"/>
+              <a:t>(</a:t>
+            </a:r>
+            <a:r>
+              <a:rPr lang="en-US" dirty="0" err="1"/>
+              <a:t>e.g.VacationHouseBuilder</a:t>
+            </a:r>
+            <a:r>
+              <a:rPr lang="en-US" dirty="0"/>
+              <a:t>)  class constructs and puts together parts by implementing the interface.</a:t>
+            </a:r>
+            <a:endParaRPr lang="en-GB" dirty="0"/>
+          </a:p>
+          <a:p>
+            <a:r>
+              <a:rPr lang="en-GB" b="1" i="1" dirty="0"/>
+              <a:t>- Director </a:t>
+            </a:r>
+            <a:r>
+              <a:rPr lang="en-GB" dirty="0"/>
+              <a:t>(e.g. </a:t>
+            </a:r>
+            <a:r>
+              <a:rPr lang="en-GB" dirty="0" err="1"/>
+              <a:t>ArchitectDirector</a:t>
+            </a:r>
+            <a:r>
+              <a:rPr lang="en-GB" dirty="0"/>
+              <a:t>) class constructs the complex object using the Builder interface</a:t>
+            </a:r>
+          </a:p>
+          <a:p>
+            <a:r>
+              <a:rPr lang="en-GB" dirty="0"/>
+              <a:t> </a:t>
+            </a:r>
+            <a:r>
+              <a:rPr lang="en-GB" b="1" dirty="0"/>
+              <a:t>- Product</a:t>
+            </a:r>
+            <a:r>
+              <a:rPr lang="en-GB" dirty="0"/>
+              <a:t> (e.g. </a:t>
+            </a:r>
+            <a:r>
+              <a:rPr lang="en-US" dirty="0"/>
+              <a:t>House) represents the complex object that is being built.</a:t>
+            </a:r>
+            <a:endParaRPr lang="en-GB" dirty="0"/>
+          </a:p>
+        </p:txBody>
+      </p:sp>
+      <p:pic>
+        <p:nvPicPr>
+          <p:cNvPr id="3074" name="Picture 2" descr="http://www.dofactory.com/images/diagrams/net/builder.gif"/>
+          <p:cNvPicPr>
+            <a:picLocks noChangeAspect="1" noChangeArrowheads="1"/>
+          </p:cNvPicPr>
+          <p:nvPr/>
+        </p:nvPicPr>
+        <p:blipFill>
+          <a:blip r:embed="rId2">
+            <a:extLst>
+              <a:ext uri="{28A0092B-C50C-407E-A947-70E740481C1C}">
+                <a14:useLocalDpi xmlns:a14="http://schemas.microsoft.com/office/drawing/2010/main" val="0"/>
+              </a:ext>
+            </a:extLst>
+          </a:blip>
+          <a:srcRect/>
+          <a:stretch>
+            <a:fillRect/>
+          </a:stretch>
+        </p:blipFill>
+        <p:spPr bwMode="auto">
+          <a:xfrm>
+            <a:off x="5759142" y="1783669"/>
+            <a:ext cx="6432858" cy="2715760"/>
+          </a:xfrm>
+          <a:prstGeom prst="rect">
+            <a:avLst/>
+          </a:prstGeom>
+          <a:noFill/>
+          <a:extLst>
+            <a:ext uri="{909E8E84-426E-40DD-AFC4-6F175D3DCCD1}">
+              <a14:hiddenFill xmlns:a14="http://schemas.microsoft.com/office/drawing/2010/main">
+                <a:solidFill>
+                  <a:srgbClr val="FFFFFF"/>
+                </a:solidFill>
+              </a14:hiddenFill>
+            </a:ext>
+          </a:extLst>
+        </p:spPr>
+      </p:pic>
     </p:spTree>
     <p:extLst>
       <p:ext uri="{BB962C8B-B14F-4D97-AF65-F5344CB8AC3E}">
-        <p14:creationId xmlns:p14="http://schemas.microsoft.com/office/powerpoint/2010/main" val="833068051"/>
+        <p14:creationId xmlns:p14="http://schemas.microsoft.com/office/powerpoint/2010/main" val="2077803102"/>
       </p:ext>
     </p:extLst>
   </p:cSld>
   <p:clrMapOvr>
     <a:masterClrMapping/>
   </p:clrMapOvr>
+  <p:timing>
+    <p:tnLst>
+      <p:par>
+        <p:cTn id="1" dur="indefinite" restart="never" nodeType="tmRoot"/>
+      </p:par>
+    </p:tnLst>
+  </p:timing>
 </p:sld>
 </file>
 
@@ -8708,6 +8848,246 @@
           <a:lstStyle/>
           <a:p>
             <a:r>
+              <a:rPr lang="en-US" dirty="0" smtClean="0"/>
+              <a:t>House builder</a:t>
+            </a:r>
+            <a:endParaRPr lang="en-GB" dirty="0"/>
+          </a:p>
+        </p:txBody>
+      </p:sp>
+      <p:sp>
+        <p:nvSpPr>
+          <p:cNvPr id="3" name="Content Placeholder 2"/>
+          <p:cNvSpPr>
+            <a:spLocks noGrp="1"/>
+          </p:cNvSpPr>
+          <p:nvPr>
+            <p:ph idx="1"/>
+          </p:nvPr>
+        </p:nvSpPr>
+        <p:spPr/>
+        <p:txBody>
+          <a:bodyPr/>
+          <a:lstStyle/>
+          <a:p>
+            <a:endParaRPr lang="en-GB"/>
+          </a:p>
+        </p:txBody>
+      </p:sp>
+      <p:pic>
+        <p:nvPicPr>
+          <p:cNvPr id="2050" name="Picture 2" descr="C:\Users\MonicaS\Desktop\housebuilder.png"/>
+          <p:cNvPicPr>
+            <a:picLocks noChangeAspect="1" noChangeArrowheads="1"/>
+          </p:cNvPicPr>
+          <p:nvPr/>
+        </p:nvPicPr>
+        <p:blipFill>
+          <a:blip r:embed="rId2">
+            <a:extLst>
+              <a:ext uri="{28A0092B-C50C-407E-A947-70E740481C1C}">
+                <a14:useLocalDpi xmlns:a14="http://schemas.microsoft.com/office/drawing/2010/main" val="0"/>
+              </a:ext>
+            </a:extLst>
+          </a:blip>
+          <a:srcRect/>
+          <a:stretch>
+            <a:fillRect/>
+          </a:stretch>
+        </p:blipFill>
+        <p:spPr bwMode="auto">
+          <a:xfrm>
+            <a:off x="2926897" y="2113870"/>
+            <a:ext cx="7497763" cy="3762375"/>
+          </a:xfrm>
+          <a:prstGeom prst="rect">
+            <a:avLst/>
+          </a:prstGeom>
+          <a:noFill/>
+          <a:extLst>
+            <a:ext uri="{909E8E84-426E-40DD-AFC4-6F175D3DCCD1}">
+              <a14:hiddenFill xmlns:a14="http://schemas.microsoft.com/office/drawing/2010/main">
+                <a:solidFill>
+                  <a:srgbClr val="FFFFFF"/>
+                </a:solidFill>
+              </a14:hiddenFill>
+            </a:ext>
+          </a:extLst>
+        </p:spPr>
+      </p:pic>
+    </p:spTree>
+    <p:extLst>
+      <p:ext uri="{BB962C8B-B14F-4D97-AF65-F5344CB8AC3E}">
+        <p14:creationId xmlns:p14="http://schemas.microsoft.com/office/powerpoint/2010/main" val="1983089271"/>
+      </p:ext>
+    </p:extLst>
+  </p:cSld>
+  <p:clrMapOvr>
+    <a:masterClrMapping/>
+  </p:clrMapOvr>
+  <p:timing>
+    <p:tnLst>
+      <p:par>
+        <p:cTn id="1" dur="indefinite" restart="never" nodeType="tmRoot"/>
+      </p:par>
+    </p:tnLst>
+  </p:timing>
+</p:sld>
+</file>
+
+<file path=ppt/slides/slide5.xml><?xml version="1.0" encoding="utf-8"?>
+<p:sld xmlns:a="http://schemas.openxmlformats.org/drawingml/2006/main" xmlns:r="http://schemas.openxmlformats.org/officeDocument/2006/relationships" xmlns:p="http://schemas.openxmlformats.org/presentationml/2006/main">
+  <p:cSld>
+    <p:spTree>
+      <p:nvGrpSpPr>
+        <p:cNvPr id="1" name=""/>
+        <p:cNvGrpSpPr/>
+        <p:nvPr/>
+      </p:nvGrpSpPr>
+      <p:grpSpPr>
+        <a:xfrm>
+          <a:off x="0" y="0"/>
+          <a:ext cx="0" cy="0"/>
+          <a:chOff x="0" y="0"/>
+          <a:chExt cx="0" cy="0"/>
+        </a:xfrm>
+      </p:grpSpPr>
+      <p:sp>
+        <p:nvSpPr>
+          <p:cNvPr id="2" name="Title 1"/>
+          <p:cNvSpPr>
+            <a:spLocks noGrp="1"/>
+          </p:cNvSpPr>
+          <p:nvPr>
+            <p:ph type="title"/>
+          </p:nvPr>
+        </p:nvSpPr>
+        <p:spPr/>
+        <p:txBody>
+          <a:bodyPr/>
+          <a:lstStyle/>
+          <a:p>
+            <a:r>
+              <a:rPr lang="en-GB" dirty="0" smtClean="0"/>
+              <a:t>UML Diagram</a:t>
+            </a:r>
+            <a:endParaRPr lang="en-US" dirty="0"/>
+          </a:p>
+        </p:txBody>
+      </p:sp>
+      <p:sp>
+        <p:nvSpPr>
+          <p:cNvPr id="3" name="Content Placeholder 2"/>
+          <p:cNvSpPr>
+            <a:spLocks noGrp="1"/>
+          </p:cNvSpPr>
+          <p:nvPr>
+            <p:ph idx="1"/>
+          </p:nvPr>
+        </p:nvSpPr>
+        <p:spPr/>
+        <p:txBody>
+          <a:bodyPr/>
+          <a:lstStyle/>
+          <a:p>
+            <a:endParaRPr lang="en-US"/>
+          </a:p>
+        </p:txBody>
+      </p:sp>
+      <p:pic>
+        <p:nvPicPr>
+          <p:cNvPr id="1026" name="Picture 2" descr="D:\Documents\2015-2016\Block7\DPR\DPR\Builder\HouseBuilder\Builder pattern UML.jpg"/>
+          <p:cNvPicPr>
+            <a:picLocks noChangeAspect="1" noChangeArrowheads="1"/>
+          </p:cNvPicPr>
+          <p:nvPr/>
+        </p:nvPicPr>
+        <p:blipFill>
+          <a:blip r:embed="rId2" cstate="print">
+            <a:extLst>
+              <a:ext uri="{28A0092B-C50C-407E-A947-70E740481C1C}">
+                <a14:useLocalDpi xmlns:a14="http://schemas.microsoft.com/office/drawing/2010/main" val="0"/>
+              </a:ext>
+            </a:extLst>
+          </a:blip>
+          <a:srcRect/>
+          <a:stretch>
+            <a:fillRect/>
+          </a:stretch>
+        </p:blipFill>
+        <p:spPr bwMode="auto">
+          <a:xfrm>
+            <a:off x="1828800" y="1371599"/>
+            <a:ext cx="6553200" cy="4914901"/>
+          </a:xfrm>
+          <a:prstGeom prst="rect">
+            <a:avLst/>
+          </a:prstGeom>
+          <a:noFill/>
+          <a:extLst>
+            <a:ext uri="{909E8E84-426E-40DD-AFC4-6F175D3DCCD1}">
+              <a14:hiddenFill xmlns:a14="http://schemas.microsoft.com/office/drawing/2010/main">
+                <a:solidFill>
+                  <a:srgbClr val="FFFFFF"/>
+                </a:solidFill>
+              </a14:hiddenFill>
+            </a:ext>
+          </a:extLst>
+        </p:spPr>
+      </p:pic>
+    </p:spTree>
+    <p:extLst>
+      <p:ext uri="{BB962C8B-B14F-4D97-AF65-F5344CB8AC3E}">
+        <p14:creationId xmlns:p14="http://schemas.microsoft.com/office/powerpoint/2010/main" val="833068051"/>
+      </p:ext>
+    </p:extLst>
+  </p:cSld>
+  <p:clrMapOvr>
+    <a:masterClrMapping/>
+  </p:clrMapOvr>
+  <p:timing>
+    <p:tnLst>
+      <p:par>
+        <p:cTn id="1" dur="indefinite" restart="never" nodeType="tmRoot"/>
+      </p:par>
+    </p:tnLst>
+  </p:timing>
+</p:sld>
+</file>
+
+<file path=ppt/slides/slide6.xml><?xml version="1.0" encoding="utf-8"?>
+<p:sld xmlns:a="http://schemas.openxmlformats.org/drawingml/2006/main" xmlns:r="http://schemas.openxmlformats.org/officeDocument/2006/relationships" xmlns:p="http://schemas.openxmlformats.org/presentationml/2006/main">
+  <p:cSld>
+    <p:spTree>
+      <p:nvGrpSpPr>
+        <p:cNvPr id="1" name=""/>
+        <p:cNvGrpSpPr/>
+        <p:nvPr/>
+      </p:nvGrpSpPr>
+      <p:grpSpPr>
+        <a:xfrm>
+          <a:off x="0" y="0"/>
+          <a:ext cx="0" cy="0"/>
+          <a:chOff x="0" y="0"/>
+          <a:chExt cx="0" cy="0"/>
+        </a:xfrm>
+      </p:grpSpPr>
+      <p:sp>
+        <p:nvSpPr>
+          <p:cNvPr id="2" name="Title 1"/>
+          <p:cNvSpPr>
+            <a:spLocks noGrp="1"/>
+          </p:cNvSpPr>
+          <p:nvPr>
+            <p:ph type="title"/>
+          </p:nvPr>
+        </p:nvSpPr>
+        <p:spPr/>
+        <p:txBody>
+          <a:bodyPr/>
+          <a:lstStyle/>
+          <a:p>
+            <a:r>
               <a:rPr lang="en-GB" dirty="0" smtClean="0"/>
               <a:t>Advantages: </a:t>
             </a:r>
@@ -8744,13 +9124,11 @@
           <a:p>
             <a:r>
               <a:rPr lang="en-GB" dirty="0" smtClean="0"/>
-              <a:t>Easy code maintainability.</a:t>
-            </a:r>
-          </a:p>
-          <a:p>
+              <a:t>Provides </a:t>
+            </a:r>
             <a:r>
               <a:rPr lang="en-GB" dirty="0" smtClean="0"/>
-              <a:t>Provides encapsulation.</a:t>
+              <a:t>encapsulation.</a:t>
             </a:r>
             <a:endParaRPr lang="en-US" dirty="0"/>
           </a:p>
@@ -8779,7 +9157,7 @@
         </p:blipFill>
         <p:spPr bwMode="auto">
           <a:xfrm>
-            <a:off x="8316595" y="1022032"/>
+            <a:off x="8960062" y="2715365"/>
             <a:ext cx="2781300" cy="3686176"/>
           </a:xfrm>
           <a:prstGeom prst="rect">
@@ -8807,10 +9185,17 @@
   <p:clrMapOvr>
     <a:masterClrMapping/>
   </p:clrMapOvr>
+  <p:timing>
+    <p:tnLst>
+      <p:par>
+        <p:cTn id="1" dur="indefinite" restart="never" nodeType="tmRoot"/>
+      </p:par>
+    </p:tnLst>
+  </p:timing>
 </p:sld>
 </file>
 
-<file path=ppt/slides/slide5.xml><?xml version="1.0" encoding="utf-8"?>
+<file path=ppt/slides/slide7.xml><?xml version="1.0" encoding="utf-8"?>
 <p:sld xmlns:a="http://schemas.openxmlformats.org/drawingml/2006/main" xmlns:r="http://schemas.openxmlformats.org/officeDocument/2006/relationships" xmlns:p="http://schemas.openxmlformats.org/presentationml/2006/main">
   <p:cSld>
     <p:spTree>
@@ -8872,7 +9257,13 @@
           <a:p>
             <a:r>
               <a:rPr lang="en-GB" dirty="0" smtClean="0"/>
-              <a:t>In complex code, duplication will be high.</a:t>
+              <a:t>Duplication of code</a:t>
+            </a:r>
+          </a:p>
+          <a:p>
+            <a:r>
+              <a:rPr lang="en-US" dirty="0" smtClean="0"/>
+              <a:t>Becomes too complex when there are too many  concrete builders</a:t>
             </a:r>
             <a:endParaRPr lang="en-US" dirty="0"/>
           </a:p>
@@ -8901,7 +9292,7 @@
         </p:blipFill>
         <p:spPr bwMode="auto">
           <a:xfrm>
-            <a:off x="7493635" y="726759"/>
+            <a:off x="8323368" y="3182092"/>
             <a:ext cx="3305175" cy="3295651"/>
           </a:xfrm>
           <a:prstGeom prst="rect">
@@ -8923,6 +9314,176 @@
     <p:extLst>
       <p:ext uri="{BB962C8B-B14F-4D97-AF65-F5344CB8AC3E}">
         <p14:creationId xmlns:p14="http://schemas.microsoft.com/office/powerpoint/2010/main" val="568430534"/>
+      </p:ext>
+    </p:extLst>
+  </p:cSld>
+  <p:clrMapOvr>
+    <a:masterClrMapping/>
+  </p:clrMapOvr>
+  <p:timing>
+    <p:tnLst>
+      <p:par>
+        <p:cTn id="1" dur="indefinite" restart="never" nodeType="tmRoot"/>
+      </p:par>
+    </p:tnLst>
+  </p:timing>
+</p:sld>
+</file>
+
+<file path=ppt/slides/slide8.xml><?xml version="1.0" encoding="utf-8"?>
+<p:sld xmlns:a="http://schemas.openxmlformats.org/drawingml/2006/main" xmlns:r="http://schemas.openxmlformats.org/officeDocument/2006/relationships" xmlns:p="http://schemas.openxmlformats.org/presentationml/2006/main">
+  <p:cSld>
+    <p:spTree>
+      <p:nvGrpSpPr>
+        <p:cNvPr id="1" name=""/>
+        <p:cNvGrpSpPr/>
+        <p:nvPr/>
+      </p:nvGrpSpPr>
+      <p:grpSpPr>
+        <a:xfrm>
+          <a:off x="0" y="0"/>
+          <a:ext cx="0" cy="0"/>
+          <a:chOff x="0" y="0"/>
+          <a:chExt cx="0" cy="0"/>
+        </a:xfrm>
+      </p:grpSpPr>
+      <p:sp>
+        <p:nvSpPr>
+          <p:cNvPr id="2" name="Title 1"/>
+          <p:cNvSpPr>
+            <a:spLocks noGrp="1"/>
+          </p:cNvSpPr>
+          <p:nvPr>
+            <p:ph type="title"/>
+          </p:nvPr>
+        </p:nvSpPr>
+        <p:spPr/>
+        <p:txBody>
+          <a:bodyPr/>
+          <a:lstStyle/>
+          <a:p>
+            <a:r>
+              <a:rPr lang="en-US" dirty="0" smtClean="0"/>
+              <a:t>Related patterns</a:t>
+            </a:r>
+            <a:endParaRPr lang="en-GB" dirty="0"/>
+          </a:p>
+        </p:txBody>
+      </p:sp>
+      <p:sp>
+        <p:nvSpPr>
+          <p:cNvPr id="3" name="Content Placeholder 2"/>
+          <p:cNvSpPr>
+            <a:spLocks noGrp="1"/>
+          </p:cNvSpPr>
+          <p:nvPr>
+            <p:ph idx="1"/>
+          </p:nvPr>
+        </p:nvSpPr>
+        <p:spPr/>
+        <p:txBody>
+          <a:bodyPr/>
+          <a:lstStyle/>
+          <a:p>
+            <a:r>
+              <a:rPr lang="en-US" dirty="0" smtClean="0"/>
+              <a:t>Abstract Factory</a:t>
+            </a:r>
+          </a:p>
+          <a:p>
+            <a:pPr lvl="1"/>
+            <a:r>
+              <a:rPr lang="en-GB" dirty="0" smtClean="0"/>
+              <a:t>both separate the system </a:t>
+            </a:r>
+            <a:r>
+              <a:rPr lang="en-GB" dirty="0"/>
+              <a:t>from product creation and representation. </a:t>
+            </a:r>
+            <a:endParaRPr lang="en-GB" dirty="0" smtClean="0"/>
+          </a:p>
+          <a:p>
+            <a:pPr lvl="1"/>
+            <a:r>
+              <a:rPr lang="en-US" dirty="0" smtClean="0"/>
+              <a:t>Calls methods directly</a:t>
+            </a:r>
+            <a:endParaRPr lang="en-GB" dirty="0"/>
+          </a:p>
+        </p:txBody>
+      </p:sp>
+    </p:spTree>
+    <p:extLst>
+      <p:ext uri="{BB962C8B-B14F-4D97-AF65-F5344CB8AC3E}">
+        <p14:creationId xmlns:p14="http://schemas.microsoft.com/office/powerpoint/2010/main" val="3032872755"/>
+      </p:ext>
+    </p:extLst>
+  </p:cSld>
+  <p:clrMapOvr>
+    <a:masterClrMapping/>
+  </p:clrMapOvr>
+  <p:timing>
+    <p:tnLst>
+      <p:par>
+        <p:cTn id="1" dur="indefinite" restart="never" nodeType="tmRoot"/>
+      </p:par>
+    </p:tnLst>
+  </p:timing>
+</p:sld>
+</file>
+
+<file path=ppt/slides/slide9.xml><?xml version="1.0" encoding="utf-8"?>
+<p:sld xmlns:a="http://schemas.openxmlformats.org/drawingml/2006/main" xmlns:r="http://schemas.openxmlformats.org/officeDocument/2006/relationships" xmlns:p="http://schemas.openxmlformats.org/presentationml/2006/main">
+  <p:cSld>
+    <p:spTree>
+      <p:nvGrpSpPr>
+        <p:cNvPr id="1" name=""/>
+        <p:cNvGrpSpPr/>
+        <p:nvPr/>
+      </p:nvGrpSpPr>
+      <p:grpSpPr>
+        <a:xfrm>
+          <a:off x="0" y="0"/>
+          <a:ext cx="0" cy="0"/>
+          <a:chOff x="0" y="0"/>
+          <a:chExt cx="0" cy="0"/>
+        </a:xfrm>
+      </p:grpSpPr>
+      <p:sp>
+        <p:nvSpPr>
+          <p:cNvPr id="2" name="Title 1"/>
+          <p:cNvSpPr>
+            <a:spLocks noGrp="1"/>
+          </p:cNvSpPr>
+          <p:nvPr>
+            <p:ph type="title"/>
+          </p:nvPr>
+        </p:nvSpPr>
+        <p:spPr>
+          <a:xfrm>
+            <a:off x="2592925" y="2772224"/>
+            <a:ext cx="8911687" cy="1280890"/>
+          </a:xfrm>
+        </p:spPr>
+        <p:txBody>
+          <a:bodyPr>
+            <a:normAutofit/>
+          </a:bodyPr>
+          <a:lstStyle/>
+          <a:p>
+            <a:pPr algn="ctr"/>
+            <a:r>
+              <a:rPr lang="en-US" sz="4400" b="1" i="1" dirty="0" smtClean="0"/>
+              <a:t>Questions?</a:t>
+            </a:r>
+            <a:endParaRPr lang="en-GB" sz="4400" b="1" i="1" dirty="0"/>
+          </a:p>
+        </p:txBody>
+      </p:sp>
+    </p:spTree>
+    <p:extLst>
+      <p:ext uri="{BB962C8B-B14F-4D97-AF65-F5344CB8AC3E}">
+        <p14:creationId xmlns:p14="http://schemas.microsoft.com/office/powerpoint/2010/main" val="1661036171"/>
       </p:ext>
     </p:extLst>
   </p:cSld>
@@ -8975,7 +9536,7 @@
     </a:clrScheme>
     <a:fontScheme name="Wisp">
       <a:majorFont>
-        <a:latin typeface="Century Gothic" panose="020B0502020202020204"/>
+        <a:latin typeface="Century Gothic"/>
         <a:ea typeface=""/>
         <a:cs typeface=""/>
         <a:font script="Jpan" typeface="メイリオ"/>
@@ -9010,7 +9571,7 @@
         <a:font script="Geor" typeface="Sylfaen"/>
       </a:majorFont>
       <a:minorFont>
-        <a:latin typeface="Century Gothic" panose="020B0502020202020204"/>
+        <a:latin typeface="Century Gothic"/>
         <a:ea typeface=""/>
         <a:cs typeface=""/>
         <a:font script="Jpan" typeface="メイリオ"/>
@@ -9169,7 +9730,7 @@
   <a:extraClrSchemeLst/>
   <a:extLst>
     <a:ext uri="{05A4C25C-085E-4340-85A3-A5531E510DB2}">
-      <thm15:themeFamily xmlns:thm15="http://schemas.microsoft.com/office/thememl/2012/main" name="Wisp" id="{7CB32D59-10C0-40DD-B7BD-2E94284A981C}" vid="{24B1A44C-C006-48B2-A4D7-E5549B3D8CD4}"/>
+      <thm15:themeFamily xmlns:thm15="http://schemas.microsoft.com/office/thememl/2012/main" xmlns="" name="Wisp" id="{7CB32D59-10C0-40DD-B7BD-2E94284A981C}" vid="{24B1A44C-C006-48B2-A4D7-E5549B3D8CD4}"/>
     </a:ext>
   </a:extLst>
 </a:theme>
@@ -9218,7 +9779,7 @@
     </a:clrScheme>
     <a:fontScheme name="Office">
       <a:majorFont>
-        <a:latin typeface="Calibri Light" panose="020F0302020204030204"/>
+        <a:latin typeface="Calibri Light"/>
         <a:ea typeface=""/>
         <a:cs typeface=""/>
         <a:font script="Jpan" typeface="ＭＳ Ｐゴシック"/>
@@ -9253,7 +9814,7 @@
         <a:font script="Geor" typeface="Sylfaen"/>
       </a:majorFont>
       <a:minorFont>
-        <a:latin typeface="Calibri" panose="020F0502020204030204"/>
+        <a:latin typeface="Calibri"/>
         <a:ea typeface=""/>
         <a:cs typeface=""/>
         <a:font script="Jpan" typeface="ＭＳ Ｐゴシック"/>
@@ -9430,7 +9991,7 @@
   <a:extraClrSchemeLst/>
   <a:extLst>
     <a:ext uri="{05A4C25C-085E-4340-85A3-A5531E510DB2}">
-      <thm15:themeFamily xmlns:thm15="http://schemas.microsoft.com/office/thememl/2012/main" name="Office Theme" id="{62F939B6-93AF-4DB8-9C6B-D6C7DFDC589F}" vid="{4A3C46E8-61CC-4603-A589-7422A47A8E4A}"/>
+      <thm15:themeFamily xmlns:thm15="http://schemas.microsoft.com/office/thememl/2012/main" xmlns="" name="Office Theme" id="{62F939B6-93AF-4DB8-9C6B-D6C7DFDC589F}" vid="{4A3C46E8-61CC-4603-A589-7422A47A8E4A}"/>
     </a:ext>
   </a:extLst>
 </a:theme>
